--- a/SQLSaturday/2023-BatonRouge/Optimizing Your PowerShell Profile.pptx
+++ b/SQLSaturday/2023-BatonRouge/Optimizing Your PowerShell Profile.pptx
@@ -208,7 +208,7 @@
           <a:p>
             <a:fld id="{C3E812A2-BA0E-4022-8B99-492E73CBDA70}" type="datetimeFigureOut">
               <a:rPr lang="en-US" smtClean="0"/>
-              <a:t>7/24/2023</a:t>
+              <a:t>7/25/2023</a:t>
             </a:fld>
             <a:endParaRPr lang="en-US"/>
           </a:p>
@@ -622,7 +622,7 @@
           <a:p>
             <a:fld id="{A83C7DF5-044A-406B-8FFF-0DDD724F8DE9}" type="datetime1">
               <a:rPr lang="en-US" smtClean="0"/>
-              <a:t>7/24/2023</a:t>
+              <a:t>7/25/2023</a:t>
             </a:fld>
             <a:endParaRPr lang="en-US"/>
           </a:p>
@@ -823,7 +823,7 @@
           <a:p>
             <a:fld id="{B95AE8A4-8F4B-4961-875C-96FC351CC633}" type="datetime1">
               <a:rPr lang="en-US" smtClean="0"/>
-              <a:t>7/24/2023</a:t>
+              <a:t>7/25/2023</a:t>
             </a:fld>
             <a:endParaRPr lang="en-US"/>
           </a:p>
@@ -1034,7 +1034,7 @@
           <a:p>
             <a:fld id="{88BEDFB3-CFB3-4FC0-807C-52111A144021}" type="datetime1">
               <a:rPr lang="en-US" smtClean="0"/>
-              <a:t>7/24/2023</a:t>
+              <a:t>7/25/2023</a:t>
             </a:fld>
             <a:endParaRPr lang="en-US"/>
           </a:p>
@@ -1235,7 +1235,7 @@
           <a:p>
             <a:fld id="{B333FB34-4C4E-4153-AB5A-43828B979C77}" type="datetime1">
               <a:rPr lang="en-US" smtClean="0"/>
-              <a:t>7/24/2023</a:t>
+              <a:t>7/25/2023</a:t>
             </a:fld>
             <a:endParaRPr lang="en-US"/>
           </a:p>
@@ -1513,7 +1513,7 @@
           <a:p>
             <a:fld id="{D4A86528-A2ED-47D4-B96C-733C6D0735BE}" type="datetime1">
               <a:rPr lang="en-US" smtClean="0"/>
-              <a:t>7/24/2023</a:t>
+              <a:t>7/25/2023</a:t>
             </a:fld>
             <a:endParaRPr lang="en-US"/>
           </a:p>
@@ -1781,7 +1781,7 @@
           <a:p>
             <a:fld id="{25986CCB-0D62-4B3C-A601-C68CF8EC5E10}" type="datetime1">
               <a:rPr lang="en-US" smtClean="0"/>
-              <a:t>7/24/2023</a:t>
+              <a:t>7/25/2023</a:t>
             </a:fld>
             <a:endParaRPr lang="en-US"/>
           </a:p>
@@ -2196,7 +2196,7 @@
           <a:p>
             <a:fld id="{710834C0-B99D-4884-B109-D5E5D9D6E9E1}" type="datetime1">
               <a:rPr lang="en-US" smtClean="0"/>
-              <a:t>7/24/2023</a:t>
+              <a:t>7/25/2023</a:t>
             </a:fld>
             <a:endParaRPr lang="en-US"/>
           </a:p>
@@ -2340,7 +2340,7 @@
           <a:p>
             <a:fld id="{C44495E1-E824-4659-A7D0-4EEFC469C102}" type="datetime1">
               <a:rPr lang="en-US" smtClean="0"/>
-              <a:t>7/24/2023</a:t>
+              <a:t>7/25/2023</a:t>
             </a:fld>
             <a:endParaRPr lang="en-US"/>
           </a:p>
@@ -2456,7 +2456,7 @@
           <a:p>
             <a:fld id="{5A5C425B-16D2-4F61-A1BF-7F895807B8C1}" type="datetime1">
               <a:rPr lang="en-US" smtClean="0"/>
-              <a:t>7/24/2023</a:t>
+              <a:t>7/25/2023</a:t>
             </a:fld>
             <a:endParaRPr lang="en-US"/>
           </a:p>
@@ -2770,7 +2770,7 @@
           <a:p>
             <a:fld id="{E734214E-46DE-4CE4-A77E-2DA69B60A470}" type="datetime1">
               <a:rPr lang="en-US" smtClean="0"/>
-              <a:t>7/24/2023</a:t>
+              <a:t>7/25/2023</a:t>
             </a:fld>
             <a:endParaRPr lang="en-US"/>
           </a:p>
@@ -3061,7 +3061,7 @@
           <a:p>
             <a:fld id="{B8213968-66EE-4CF6-B8FA-A8B1DA5C6DE5}" type="datetime1">
               <a:rPr lang="en-US" smtClean="0"/>
-              <a:t>7/24/2023</a:t>
+              <a:t>7/25/2023</a:t>
             </a:fld>
             <a:endParaRPr lang="en-US"/>
           </a:p>
@@ -3305,7 +3305,7 @@
           <a:p>
             <a:fld id="{4720A6BE-0E74-44EC-A1C2-C690BCB6B12D}" type="datetime1">
               <a:rPr lang="en-US" smtClean="0"/>
-              <a:t>7/24/2023</a:t>
+              <a:t>7/25/2023</a:t>
             </a:fld>
             <a:endParaRPr lang="en-US"/>
           </a:p>
